--- a/Lesson4/RobotSubsystems.pptx
+++ b/Lesson4/RobotSubsystems.pptx
@@ -15955,7 +15955,7 @@
             </a:r>
             <a:r>
               <a:rPr lang="en-US" dirty="0"/>
-              <a:t> method to move the conveyor forward on  button B and backward on button X and print a message on the dashboard reporting the button event.</a:t>
+              <a:t> method to move the conveyor forward on  button B and backward on button X and print a message on the dashboard reporting the button event (Hint: advance and backup).</a:t>
             </a:r>
           </a:p>
         </p:txBody>
